--- a/clases/Cap08_Segmentacion/presentations/IMG08_PrecisionRecall.pptx
+++ b/clases/Cap08_Segmentacion/presentations/IMG08_PrecisionRecall.pptx
@@ -220,7 +220,7 @@
           <a:p>
             <a:fld id="{089CB84B-3086-824D-91F5-F571CFDD3E7D}" type="datetimeFigureOut">
               <a:rPr lang="en-US" smtClean="0"/>
-              <a:t>11/14/24</a:t>
+              <a:t>11/13/25</a:t>
             </a:fld>
             <a:endParaRPr lang="en-US"/>
           </a:p>
@@ -868,7 +868,7 @@
           <a:p>
             <a:fld id="{BBACFB44-8788-A749-9C3A-9AA984AD1C1A}" type="datetime1">
               <a:rPr lang="en-AU" smtClean="0"/>
-              <a:t>14/11/2024</a:t>
+              <a:t>13/11/2025</a:t>
             </a:fld>
             <a:endParaRPr lang="en-US"/>
           </a:p>
@@ -1038,7 +1038,7 @@
           <a:p>
             <a:fld id="{802F780F-C6CB-7041-B6E2-51E72636706A}" type="datetime1">
               <a:rPr lang="en-AU" smtClean="0"/>
-              <a:t>14/11/2024</a:t>
+              <a:t>13/11/2025</a:t>
             </a:fld>
             <a:endParaRPr lang="en-US"/>
           </a:p>
@@ -1218,7 +1218,7 @@
           <a:p>
             <a:fld id="{861E8964-5FA7-B743-BE42-A3E6EFC642D5}" type="datetime1">
               <a:rPr lang="en-AU" smtClean="0"/>
-              <a:t>14/11/2024</a:t>
+              <a:t>13/11/2025</a:t>
             </a:fld>
             <a:endParaRPr lang="en-US"/>
           </a:p>
@@ -1388,7 +1388,7 @@
           <a:p>
             <a:fld id="{A5CF7600-5B53-5D4B-9A1C-00C180EA4ACC}" type="datetime1">
               <a:rPr lang="en-AU" smtClean="0"/>
-              <a:t>14/11/2024</a:t>
+              <a:t>13/11/2025</a:t>
             </a:fld>
             <a:endParaRPr lang="en-US"/>
           </a:p>
@@ -1634,7 +1634,7 @@
           <a:p>
             <a:fld id="{FF42827D-66C1-8845-B375-046F25EBA1A4}" type="datetime1">
               <a:rPr lang="en-AU" smtClean="0"/>
-              <a:t>14/11/2024</a:t>
+              <a:t>13/11/2025</a:t>
             </a:fld>
             <a:endParaRPr lang="en-US"/>
           </a:p>
@@ -1922,7 +1922,7 @@
           <a:p>
             <a:fld id="{3F27383E-F0B0-864C-812F-BC6E84BFA2A6}" type="datetime1">
               <a:rPr lang="en-AU" smtClean="0"/>
-              <a:t>14/11/2024</a:t>
+              <a:t>13/11/2025</a:t>
             </a:fld>
             <a:endParaRPr lang="en-US"/>
           </a:p>
@@ -2344,7 +2344,7 @@
           <a:p>
             <a:fld id="{93407324-84E3-C540-9709-EC8DF05107DA}" type="datetime1">
               <a:rPr lang="en-AU" smtClean="0"/>
-              <a:t>14/11/2024</a:t>
+              <a:t>13/11/2025</a:t>
             </a:fld>
             <a:endParaRPr lang="en-US"/>
           </a:p>
@@ -2462,7 +2462,7 @@
           <a:p>
             <a:fld id="{85D2A8C1-D0A5-1B46-B38F-340CFD2E2291}" type="datetime1">
               <a:rPr lang="en-AU" smtClean="0"/>
-              <a:t>14/11/2024</a:t>
+              <a:t>13/11/2025</a:t>
             </a:fld>
             <a:endParaRPr lang="en-US"/>
           </a:p>
@@ -2557,7 +2557,7 @@
           <a:p>
             <a:fld id="{F9796F46-70AC-6544-A2FE-763317A50DAB}" type="datetime1">
               <a:rPr lang="en-AU" smtClean="0"/>
-              <a:t>14/11/2024</a:t>
+              <a:t>13/11/2025</a:t>
             </a:fld>
             <a:endParaRPr lang="en-US"/>
           </a:p>
@@ -2834,7 +2834,7 @@
           <a:p>
             <a:fld id="{7ED028BD-4543-B247-8A97-C3039CA92649}" type="datetime1">
               <a:rPr lang="en-AU" smtClean="0"/>
-              <a:t>14/11/2024</a:t>
+              <a:t>13/11/2025</a:t>
             </a:fld>
             <a:endParaRPr lang="en-US"/>
           </a:p>
@@ -3087,7 +3087,7 @@
           <a:p>
             <a:fld id="{DD60C97B-51D3-2849-AFA0-E2276A30B22F}" type="datetime1">
               <a:rPr lang="en-AU" smtClean="0"/>
-              <a:t>14/11/2024</a:t>
+              <a:t>13/11/2025</a:t>
             </a:fld>
             <a:endParaRPr lang="en-US"/>
           </a:p>
@@ -3298,7 +3298,7 @@
           <a:p>
             <a:fld id="{A7890746-FE7D-114C-97D5-F9F4EAF1830F}" type="datetime1">
               <a:rPr lang="en-AU" smtClean="0"/>
-              <a:t>14/11/2024</a:t>
+              <a:t>13/11/2025</a:t>
             </a:fld>
             <a:endParaRPr lang="en-US"/>
           </a:p>
@@ -4415,17 +4415,17 @@
                 <a:latin typeface="Trebuchet MS"/>
                 <a:cs typeface="Trebuchet MS"/>
               </a:rPr>
-              <a:t>Métricas de Desempeño de </a:t>
-            </a:r>
-            <a:r>
-              <a:rPr lang="es-CL" sz="2400" b="1" dirty="0" err="1">
+              <a:t>Métricas de Desempeño </a:t>
+            </a:r>
+            <a:r>
+              <a:rPr lang="es-CL" sz="2400" b="1">
                 <a:solidFill>
                   <a:srgbClr val="FFFFFF"/>
                 </a:solidFill>
                 <a:latin typeface="Trebuchet MS"/>
                 <a:cs typeface="Trebuchet MS"/>
               </a:rPr>
-              <a:t>Segmetación</a:t>
+              <a:t>de Segmentación</a:t>
             </a:r>
             <a:endParaRPr lang="es-CL" sz="2400" b="1" dirty="0">
               <a:solidFill>
